--- a/2. Node JS Fundamental/Presentation Slides/5.pptx
+++ b/2. Node JS Fundamental/Presentation Slides/5.pptx
@@ -104,6 +104,22 @@
       </a:defRPr>
     </a:lvl9pPr>
   </p:defaultTextStyle>
+  <p:extLst>
+    <p:ext uri="{EFAFB233-063F-42B5-8137-9DF3F51BA10A}">
+      <p15:sldGuideLst xmlns:p15="http://schemas.microsoft.com/office/powerpoint/2012/main">
+        <p15:guide id="1" orient="horz" pos="1620">
+          <p15:clr>
+            <a:srgbClr val="A4A3A4"/>
+          </p15:clr>
+        </p15:guide>
+        <p15:guide id="2" pos="2880">
+          <p15:clr>
+            <a:srgbClr val="A4A3A4"/>
+          </p15:clr>
+        </p15:guide>
+      </p15:sldGuideLst>
+    </p:ext>
+  </p:extLst>
 </p:presentation>
 </file>
 
@@ -289,7 +305,7 @@
             <a:fld id="{1D8BD707-D9CF-40AE-B4C6-C98DA3205C09}" type="datetimeFigureOut">
               <a:rPr lang="en-US" smtClean="0"/>
               <a:pPr/>
-              <a:t>7/4/2020</a:t>
+              <a:t>9/9/2022</a:t>
             </a:fld>
             <a:endParaRPr lang="en-US"/>
           </a:p>
@@ -456,7 +472,7 @@
             <a:fld id="{1D8BD707-D9CF-40AE-B4C6-C98DA3205C09}" type="datetimeFigureOut">
               <a:rPr lang="en-US" smtClean="0"/>
               <a:pPr/>
-              <a:t>7/4/2020</a:t>
+              <a:t>9/9/2022</a:t>
             </a:fld>
             <a:endParaRPr lang="en-US"/>
           </a:p>
@@ -633,7 +649,7 @@
             <a:fld id="{1D8BD707-D9CF-40AE-B4C6-C98DA3205C09}" type="datetimeFigureOut">
               <a:rPr lang="en-US" smtClean="0"/>
               <a:pPr/>
-              <a:t>7/4/2020</a:t>
+              <a:t>9/9/2022</a:t>
             </a:fld>
             <a:endParaRPr lang="en-US"/>
           </a:p>
@@ -800,7 +816,7 @@
             <a:fld id="{1D8BD707-D9CF-40AE-B4C6-C98DA3205C09}" type="datetimeFigureOut">
               <a:rPr lang="en-US" smtClean="0"/>
               <a:pPr/>
-              <a:t>7/4/2020</a:t>
+              <a:t>9/9/2022</a:t>
             </a:fld>
             <a:endParaRPr lang="en-US"/>
           </a:p>
@@ -1043,7 +1059,7 @@
             <a:fld id="{1D8BD707-D9CF-40AE-B4C6-C98DA3205C09}" type="datetimeFigureOut">
               <a:rPr lang="en-US" smtClean="0"/>
               <a:pPr/>
-              <a:t>7/4/2020</a:t>
+              <a:t>9/9/2022</a:t>
             </a:fld>
             <a:endParaRPr lang="en-US"/>
           </a:p>
@@ -1328,7 +1344,7 @@
             <a:fld id="{1D8BD707-D9CF-40AE-B4C6-C98DA3205C09}" type="datetimeFigureOut">
               <a:rPr lang="en-US" smtClean="0"/>
               <a:pPr/>
-              <a:t>7/4/2020</a:t>
+              <a:t>9/9/2022</a:t>
             </a:fld>
             <a:endParaRPr lang="en-US"/>
           </a:p>
@@ -1747,7 +1763,7 @@
             <a:fld id="{1D8BD707-D9CF-40AE-B4C6-C98DA3205C09}" type="datetimeFigureOut">
               <a:rPr lang="en-US" smtClean="0"/>
               <a:pPr/>
-              <a:t>7/4/2020</a:t>
+              <a:t>9/9/2022</a:t>
             </a:fld>
             <a:endParaRPr lang="en-US"/>
           </a:p>
@@ -1862,7 +1878,7 @@
             <a:fld id="{1D8BD707-D9CF-40AE-B4C6-C98DA3205C09}" type="datetimeFigureOut">
               <a:rPr lang="en-US" smtClean="0"/>
               <a:pPr/>
-              <a:t>7/4/2020</a:t>
+              <a:t>9/9/2022</a:t>
             </a:fld>
             <a:endParaRPr lang="en-US"/>
           </a:p>
@@ -1954,7 +1970,7 @@
             <a:fld id="{1D8BD707-D9CF-40AE-B4C6-C98DA3205C09}" type="datetimeFigureOut">
               <a:rPr lang="en-US" smtClean="0"/>
               <a:pPr/>
-              <a:t>7/4/2020</a:t>
+              <a:t>9/9/2022</a:t>
             </a:fld>
             <a:endParaRPr lang="en-US"/>
           </a:p>
@@ -2228,7 +2244,7 @@
             <a:fld id="{1D8BD707-D9CF-40AE-B4C6-C98DA3205C09}" type="datetimeFigureOut">
               <a:rPr lang="en-US" smtClean="0"/>
               <a:pPr/>
-              <a:t>7/4/2020</a:t>
+              <a:t>9/9/2022</a:t>
             </a:fld>
             <a:endParaRPr lang="en-US"/>
           </a:p>
@@ -2478,7 +2494,7 @@
             <a:fld id="{1D8BD707-D9CF-40AE-B4C6-C98DA3205C09}" type="datetimeFigureOut">
               <a:rPr lang="en-US" smtClean="0"/>
               <a:pPr/>
-              <a:t>7/4/2020</a:t>
+              <a:t>9/9/2022</a:t>
             </a:fld>
             <a:endParaRPr lang="en-US"/>
           </a:p>
@@ -2697,7 +2713,7 @@
             <a:fld id="{1D8BD707-D9CF-40AE-B4C6-C98DA3205C09}" type="datetimeFigureOut">
               <a:rPr lang="en-US" smtClean="0"/>
               <a:pPr/>
-              <a:t>7/4/2020</a:t>
+              <a:t>9/9/2022</a:t>
             </a:fld>
             <a:endParaRPr lang="en-US"/>
           </a:p>
@@ -3113,12 +3129,6 @@
               </a:rPr>
               <a:t>Http Client </a:t>
             </a:r>
-            <a:endParaRPr lang="en-US" sz="2400" dirty="0" smtClean="0">
-              <a:solidFill>
-                <a:schemeClr val="bg1"/>
-              </a:solidFill>
-              <a:latin typeface="Bahnschrift SemiLight Condensed" pitchFamily="34" charset="0"/>
-            </a:endParaRPr>
           </a:p>
         </p:txBody>
       </p:sp>
